--- a/Cursus/BasisCSharp-Coderen.pptx
+++ b/Cursus/BasisCSharp-Coderen.pptx
@@ -6,7 +6,7 @@
     <p:sldMasterId id="2147483660" r:id="rId2"/>
   </p:sldMasterIdLst>
   <p:notesMasterIdLst>
-    <p:notesMasterId r:id="rId37"/>
+    <p:notesMasterId r:id="rId38"/>
   </p:notesMasterIdLst>
   <p:sldIdLst>
     <p:sldId id="303" r:id="rId3"/>
@@ -43,9 +43,10 @@
     <p:sldId id="299" r:id="rId34"/>
     <p:sldId id="300" r:id="rId35"/>
     <p:sldId id="301" r:id="rId36"/>
+    <p:sldId id="307" r:id="rId37"/>
   </p:sldIdLst>
   <p:sldSz cx="12192000" cy="6858000"/>
-  <p:notesSz cx="6858000" cy="9144000"/>
+  <p:notesSz cx="6888163" cy="10021888"/>
   <p:defaultTextStyle>
     <a:defPPr>
       <a:defRPr lang="en-US"/>
@@ -184,17 +185,17 @@
         <p:spPr>
           <a:xfrm>
             <a:off x="0" y="0"/>
-            <a:ext cx="2971800" cy="458788"/>
+            <a:ext cx="2984871" cy="502835"/>
           </a:xfrm>
           <a:prstGeom prst="rect">
             <a:avLst/>
           </a:prstGeom>
         </p:spPr>
         <p:txBody>
-          <a:bodyPr vert="horz" lIns="91440" tIns="45720" rIns="91440" bIns="45720" rtlCol="0"/>
+          <a:bodyPr vert="horz" lIns="96625" tIns="48312" rIns="96625" bIns="48312" rtlCol="0"/>
           <a:lstStyle>
             <a:lvl1pPr algn="l">
-              <a:defRPr sz="1200"/>
+              <a:defRPr sz="1300"/>
             </a:lvl1pPr>
           </a:lstStyle>
           <a:p>
@@ -214,24 +215,24 @@
         </p:nvSpPr>
         <p:spPr>
           <a:xfrm>
-            <a:off x="3884613" y="0"/>
-            <a:ext cx="2971800" cy="458788"/>
+            <a:off x="3901698" y="0"/>
+            <a:ext cx="2984871" cy="502835"/>
           </a:xfrm>
           <a:prstGeom prst="rect">
             <a:avLst/>
           </a:prstGeom>
         </p:spPr>
         <p:txBody>
-          <a:bodyPr vert="horz" lIns="91440" tIns="45720" rIns="91440" bIns="45720" rtlCol="0"/>
+          <a:bodyPr vert="horz" lIns="96625" tIns="48312" rIns="96625" bIns="48312" rtlCol="0"/>
           <a:lstStyle>
             <a:lvl1pPr algn="r">
-              <a:defRPr sz="1200"/>
+              <a:defRPr sz="1300"/>
             </a:lvl1pPr>
           </a:lstStyle>
           <a:p>
             <a:fld id="{0123E455-1A20-4F9D-AB8C-A6908B79F2B5}" type="datetimeFigureOut">
               <a:rPr lang="en-US" smtClean="0"/>
-              <a:t>2/18/2020</a:t>
+              <a:t>3/10/2020</a:t>
             </a:fld>
             <a:endParaRPr lang="en-US"/>
           </a:p>
@@ -249,8 +250,8 @@
         </p:nvSpPr>
         <p:spPr>
           <a:xfrm>
-            <a:off x="685800" y="1143000"/>
-            <a:ext cx="5486400" cy="3086100"/>
+            <a:off x="438150" y="1252538"/>
+            <a:ext cx="6011863" cy="3382962"/>
           </a:xfrm>
           <a:prstGeom prst="rect">
             <a:avLst/>
@@ -263,7 +264,7 @@
           </a:ln>
         </p:spPr>
         <p:txBody>
-          <a:bodyPr vert="horz" lIns="91440" tIns="45720" rIns="91440" bIns="45720" rtlCol="0" anchor="ctr"/>
+          <a:bodyPr vert="horz" lIns="96625" tIns="48312" rIns="96625" bIns="48312" rtlCol="0" anchor="ctr"/>
           <a:lstStyle/>
           <a:p>
             <a:endParaRPr lang="en-US"/>
@@ -282,15 +283,15 @@
         </p:nvSpPr>
         <p:spPr>
           <a:xfrm>
-            <a:off x="685800" y="4400550"/>
-            <a:ext cx="5486400" cy="3600450"/>
+            <a:off x="688817" y="4823034"/>
+            <a:ext cx="5510530" cy="3946118"/>
           </a:xfrm>
           <a:prstGeom prst="rect">
             <a:avLst/>
           </a:prstGeom>
         </p:spPr>
         <p:txBody>
-          <a:bodyPr vert="horz" lIns="91440" tIns="45720" rIns="91440" bIns="45720" rtlCol="0"/>
+          <a:bodyPr vert="horz" lIns="96625" tIns="48312" rIns="96625" bIns="48312" rtlCol="0"/>
           <a:lstStyle/>
           <a:p>
             <a:pPr lvl="0"/>
@@ -341,18 +342,18 @@
         </p:nvSpPr>
         <p:spPr>
           <a:xfrm>
-            <a:off x="0" y="8685213"/>
-            <a:ext cx="2971800" cy="458787"/>
+            <a:off x="0" y="9519055"/>
+            <a:ext cx="2984871" cy="502834"/>
           </a:xfrm>
           <a:prstGeom prst="rect">
             <a:avLst/>
           </a:prstGeom>
         </p:spPr>
         <p:txBody>
-          <a:bodyPr vert="horz" lIns="91440" tIns="45720" rIns="91440" bIns="45720" rtlCol="0" anchor="b"/>
+          <a:bodyPr vert="horz" lIns="96625" tIns="48312" rIns="96625" bIns="48312" rtlCol="0" anchor="b"/>
           <a:lstStyle>
             <a:lvl1pPr algn="l">
-              <a:defRPr sz="1200"/>
+              <a:defRPr sz="1300"/>
             </a:lvl1pPr>
           </a:lstStyle>
           <a:p>
@@ -372,18 +373,18 @@
         </p:nvSpPr>
         <p:spPr>
           <a:xfrm>
-            <a:off x="3884613" y="8685213"/>
-            <a:ext cx="2971800" cy="458787"/>
+            <a:off x="3901698" y="9519055"/>
+            <a:ext cx="2984871" cy="502834"/>
           </a:xfrm>
           <a:prstGeom prst="rect">
             <a:avLst/>
           </a:prstGeom>
         </p:spPr>
         <p:txBody>
-          <a:bodyPr vert="horz" lIns="91440" tIns="45720" rIns="91440" bIns="45720" rtlCol="0" anchor="b"/>
+          <a:bodyPr vert="horz" lIns="96625" tIns="48312" rIns="96625" bIns="48312" rtlCol="0" anchor="b"/>
           <a:lstStyle>
             <a:lvl1pPr algn="r">
-              <a:defRPr sz="1200"/>
+              <a:defRPr sz="1300"/>
             </a:lvl1pPr>
           </a:lstStyle>
           <a:p>
@@ -645,7 +646,7 @@
           <a:p>
             <a:fld id="{A0E91A94-F19F-40CA-AA51-DB498FD38CEA}" type="datetimeFigureOut">
               <a:rPr lang="en-US" smtClean="0"/>
-              <a:t>2/18/2020</a:t>
+              <a:t>3/10/2020</a:t>
             </a:fld>
             <a:endParaRPr lang="en-US"/>
           </a:p>
@@ -843,7 +844,7 @@
           <a:p>
             <a:fld id="{A0E91A94-F19F-40CA-AA51-DB498FD38CEA}" type="datetimeFigureOut">
               <a:rPr lang="en-US" smtClean="0"/>
-              <a:t>2/18/2020</a:t>
+              <a:t>3/10/2020</a:t>
             </a:fld>
             <a:endParaRPr lang="en-US"/>
           </a:p>
@@ -1051,7 +1052,7 @@
           <a:p>
             <a:fld id="{A0E91A94-F19F-40CA-AA51-DB498FD38CEA}" type="datetimeFigureOut">
               <a:rPr lang="en-US" smtClean="0"/>
-              <a:t>2/18/2020</a:t>
+              <a:t>3/10/2020</a:t>
             </a:fld>
             <a:endParaRPr lang="en-US"/>
           </a:p>
@@ -1255,7 +1256,7 @@
           <a:p>
             <a:fld id="{262E79CE-4871-481B-959F-0CE64C7F4163}" type="datetime1">
               <a:rPr lang="en-US" smtClean="0"/>
-              <a:t>2/18/2020</a:t>
+              <a:t>3/10/2020</a:t>
             </a:fld>
             <a:endParaRPr lang="en-US"/>
           </a:p>
@@ -1425,7 +1426,7 @@
           <a:p>
             <a:fld id="{D5FFE133-A67C-49D0-8944-709C79D0987B}" type="datetime1">
               <a:rPr lang="en-US" smtClean="0"/>
-              <a:t>2/18/2020</a:t>
+              <a:t>3/10/2020</a:t>
             </a:fld>
             <a:endParaRPr lang="en-US"/>
           </a:p>
@@ -1671,7 +1672,7 @@
           <a:p>
             <a:fld id="{3F65B13C-25B5-4CCF-B064-8BE3F758B447}" type="datetime1">
               <a:rPr lang="en-US" smtClean="0"/>
-              <a:t>2/18/2020</a:t>
+              <a:t>3/10/2020</a:t>
             </a:fld>
             <a:endParaRPr lang="en-US"/>
           </a:p>
@@ -1903,7 +1904,7 @@
           <a:p>
             <a:fld id="{B41CB9F3-6579-4B44-87EA-C70617A33485}" type="datetime1">
               <a:rPr lang="en-US" smtClean="0"/>
-              <a:t>2/18/2020</a:t>
+              <a:t>3/10/2020</a:t>
             </a:fld>
             <a:endParaRPr lang="en-US"/>
           </a:p>
@@ -2270,7 +2271,7 @@
           <a:p>
             <a:fld id="{C5CB3E34-8C6C-45BC-B8FD-9B4B40EE9A12}" type="datetime1">
               <a:rPr lang="en-US" smtClean="0"/>
-              <a:t>2/18/2020</a:t>
+              <a:t>3/10/2020</a:t>
             </a:fld>
             <a:endParaRPr lang="en-US"/>
           </a:p>
@@ -2388,7 +2389,7 @@
           <a:p>
             <a:fld id="{31E05399-7D6B-4514-8D9F-14024E6E2804}" type="datetime1">
               <a:rPr lang="en-US" smtClean="0"/>
-              <a:t>2/18/2020</a:t>
+              <a:t>3/10/2020</a:t>
             </a:fld>
             <a:endParaRPr lang="en-US"/>
           </a:p>
@@ -2483,7 +2484,7 @@
           <a:p>
             <a:fld id="{618685C9-0ACA-49A9-A0AB-A5A0B40BCBC8}" type="datetime1">
               <a:rPr lang="en-US" smtClean="0"/>
-              <a:t>2/18/2020</a:t>
+              <a:t>3/10/2020</a:t>
             </a:fld>
             <a:endParaRPr lang="en-US"/>
           </a:p>
@@ -2760,7 +2761,7 @@
           <a:p>
             <a:fld id="{DB743911-7AAB-4DB3-8C84-BAFEF492EA68}" type="datetime1">
               <a:rPr lang="en-US" smtClean="0"/>
-              <a:t>2/18/2020</a:t>
+              <a:t>3/10/2020</a:t>
             </a:fld>
             <a:endParaRPr lang="en-US"/>
           </a:p>
@@ -3014,7 +3015,7 @@
           <a:p>
             <a:fld id="{A0E91A94-F19F-40CA-AA51-DB498FD38CEA}" type="datetimeFigureOut">
               <a:rPr lang="en-US" smtClean="0"/>
-              <a:t>2/18/2020</a:t>
+              <a:t>3/10/2020</a:t>
             </a:fld>
             <a:endParaRPr lang="en-US"/>
           </a:p>
@@ -3283,7 +3284,7 @@
           <a:p>
             <a:fld id="{01137EA2-BE57-419A-8BAA-C33F6F39AB4C}" type="datetime1">
               <a:rPr lang="en-US" smtClean="0"/>
-              <a:t>2/18/2020</a:t>
+              <a:t>3/10/2020</a:t>
             </a:fld>
             <a:endParaRPr lang="en-US"/>
           </a:p>
@@ -3453,7 +3454,7 @@
           <a:p>
             <a:fld id="{721AD1AB-9871-4EE5-845E-F783367F963A}" type="datetime1">
               <a:rPr lang="en-US" smtClean="0"/>
-              <a:t>2/18/2020</a:t>
+              <a:t>3/10/2020</a:t>
             </a:fld>
             <a:endParaRPr lang="en-US"/>
           </a:p>
@@ -3633,7 +3634,7 @@
           <a:p>
             <a:fld id="{9F17F528-2B6D-40DF-83F9-81F2B1126364}" type="datetime1">
               <a:rPr lang="en-US" smtClean="0"/>
-              <a:t>2/18/2020</a:t>
+              <a:t>3/10/2020</a:t>
             </a:fld>
             <a:endParaRPr lang="en-US"/>
           </a:p>
@@ -3896,7 +3897,7 @@
           <a:p>
             <a:fld id="{A0E91A94-F19F-40CA-AA51-DB498FD38CEA}" type="datetimeFigureOut">
               <a:rPr lang="en-US" smtClean="0"/>
-              <a:t>2/18/2020</a:t>
+              <a:t>3/10/2020</a:t>
             </a:fld>
             <a:endParaRPr lang="en-US"/>
           </a:p>
@@ -4161,7 +4162,7 @@
           <a:p>
             <a:fld id="{A0E91A94-F19F-40CA-AA51-DB498FD38CEA}" type="datetimeFigureOut">
               <a:rPr lang="en-US" smtClean="0"/>
-              <a:t>2/18/2020</a:t>
+              <a:t>3/10/2020</a:t>
             </a:fld>
             <a:endParaRPr lang="en-US"/>
           </a:p>
@@ -4573,7 +4574,7 @@
           <a:p>
             <a:fld id="{A0E91A94-F19F-40CA-AA51-DB498FD38CEA}" type="datetimeFigureOut">
               <a:rPr lang="en-US" smtClean="0"/>
-              <a:t>2/18/2020</a:t>
+              <a:t>3/10/2020</a:t>
             </a:fld>
             <a:endParaRPr lang="en-US"/>
           </a:p>
@@ -4714,7 +4715,7 @@
           <a:p>
             <a:fld id="{A0E91A94-F19F-40CA-AA51-DB498FD38CEA}" type="datetimeFigureOut">
               <a:rPr lang="en-US" smtClean="0"/>
-              <a:t>2/18/2020</a:t>
+              <a:t>3/10/2020</a:t>
             </a:fld>
             <a:endParaRPr lang="en-US"/>
           </a:p>
@@ -4827,7 +4828,7 @@
           <a:p>
             <a:fld id="{A0E91A94-F19F-40CA-AA51-DB498FD38CEA}" type="datetimeFigureOut">
               <a:rPr lang="en-US" smtClean="0"/>
-              <a:t>2/18/2020</a:t>
+              <a:t>3/10/2020</a:t>
             </a:fld>
             <a:endParaRPr lang="en-US"/>
           </a:p>
@@ -5138,7 +5139,7 @@
           <a:p>
             <a:fld id="{A0E91A94-F19F-40CA-AA51-DB498FD38CEA}" type="datetimeFigureOut">
               <a:rPr lang="en-US" smtClean="0"/>
-              <a:t>2/18/2020</a:t>
+              <a:t>3/10/2020</a:t>
             </a:fld>
             <a:endParaRPr lang="en-US"/>
           </a:p>
@@ -5426,7 +5427,7 @@
           <a:p>
             <a:fld id="{A0E91A94-F19F-40CA-AA51-DB498FD38CEA}" type="datetimeFigureOut">
               <a:rPr lang="en-US" smtClean="0"/>
-              <a:t>2/18/2020</a:t>
+              <a:t>3/10/2020</a:t>
             </a:fld>
             <a:endParaRPr lang="en-US"/>
           </a:p>
@@ -5667,7 +5668,7 @@
           <a:p>
             <a:fld id="{A0E91A94-F19F-40CA-AA51-DB498FD38CEA}" type="datetimeFigureOut">
               <a:rPr lang="en-US" smtClean="0"/>
-              <a:t>2/18/2020</a:t>
+              <a:t>3/10/2020</a:t>
             </a:fld>
             <a:endParaRPr lang="en-US"/>
           </a:p>
@@ -6219,7 +6220,7 @@
           <a:p>
             <a:fld id="{190A1F1F-C7CA-4092-B992-BFDB9E8C0ED6}" type="datetime1">
               <a:rPr lang="en-US" smtClean="0"/>
-              <a:t>2/18/2020</a:t>
+              <a:t>3/10/2020</a:t>
             </a:fld>
             <a:endParaRPr lang="en-US"/>
           </a:p>
@@ -33665,6 +33666,689 @@
         </p:nvSpPr>
         <p:spPr>
           <a:xfrm>
+            <a:off x="4172988" y="83977"/>
+            <a:ext cx="7186009" cy="6596742"/>
+          </a:xfrm>
+        </p:spPr>
+        <p:txBody>
+          <a:bodyPr anchor="ctr">
+            <a:noAutofit/>
+          </a:bodyPr>
+          <a:lstStyle/>
+          <a:p>
+            <a:r>
+              <a:rPr lang="nl-BE" sz="2400" dirty="0">
+                <a:solidFill>
+                  <a:srgbClr val="FFFFFF"/>
+                </a:solidFill>
+              </a:rPr>
+              <a:t>Pas je CLI basis klasse aan zodat een </a:t>
+            </a:r>
+            <a:r>
+              <a:rPr lang="nl-BE" sz="2400" dirty="0" err="1">
+                <a:solidFill>
+                  <a:srgbClr val="FFFFFF"/>
+                </a:solidFill>
+              </a:rPr>
+              <a:t>delegate</a:t>
+            </a:r>
+            <a:r>
+              <a:rPr lang="nl-BE" sz="2400" dirty="0">
+                <a:solidFill>
+                  <a:srgbClr val="FFFFFF"/>
+                </a:solidFill>
+              </a:rPr>
+              <a:t> wordt aangeroepen indien het standaard commando niet gekend is.</a:t>
+            </a:r>
+          </a:p>
+          <a:p>
+            <a:pPr lvl="1"/>
+            <a:r>
+              <a:rPr lang="nl-BE" sz="2000" dirty="0">
+                <a:solidFill>
+                  <a:srgbClr val="FFFFFF"/>
+                </a:solidFill>
+              </a:rPr>
+              <a:t>Zorg dat een externe klasse een </a:t>
+            </a:r>
+            <a:r>
+              <a:rPr lang="nl-BE" sz="2000" dirty="0" err="1">
+                <a:solidFill>
+                  <a:srgbClr val="FFFFFF"/>
+                </a:solidFill>
+              </a:rPr>
+              <a:t>delegate</a:t>
+            </a:r>
+            <a:r>
+              <a:rPr lang="nl-BE" sz="2000" dirty="0">
+                <a:solidFill>
+                  <a:srgbClr val="FFFFFF"/>
+                </a:solidFill>
+              </a:rPr>
+              <a:t> kan toekennen waarin de nodige informatie wordt uitgewisseld.</a:t>
+            </a:r>
+          </a:p>
+          <a:p>
+            <a:r>
+              <a:rPr lang="nl-BE" sz="2400" dirty="0">
+                <a:solidFill>
+                  <a:srgbClr val="FFFFFF"/>
+                </a:solidFill>
+              </a:rPr>
+              <a:t>Maak in je werknemersbestand een </a:t>
+            </a:r>
+            <a:r>
+              <a:rPr lang="nl-BE" sz="2400" dirty="0" err="1">
+                <a:solidFill>
+                  <a:srgbClr val="FFFFFF"/>
+                </a:solidFill>
+              </a:rPr>
+              <a:t>delegate</a:t>
+            </a:r>
+            <a:r>
+              <a:rPr lang="nl-BE" sz="2400" dirty="0">
+                <a:solidFill>
+                  <a:srgbClr val="FFFFFF"/>
+                </a:solidFill>
+              </a:rPr>
+              <a:t> functie aan waarin je commando’s kan integreren in de CLI basis.</a:t>
+            </a:r>
+          </a:p>
+        </p:txBody>
+      </p:sp>
+    </p:spTree>
+    <p:extLst>
+      <p:ext uri="{BB962C8B-B14F-4D97-AF65-F5344CB8AC3E}">
+        <p14:creationId xmlns:p14="http://schemas.microsoft.com/office/powerpoint/2010/main" val="510839031"/>
+      </p:ext>
+    </p:extLst>
+  </p:cSld>
+  <p:clrMapOvr>
+    <a:overrideClrMapping bg1="dk1" tx1="lt1" bg2="dk2" tx2="lt2" accent1="accent1" accent2="accent2" accent3="accent3" accent4="accent4" accent5="accent5" accent6="accent6" hlink="hlink" folHlink="folHlink"/>
+  </p:clrMapOvr>
+  <p:timing>
+    <p:tnLst>
+      <p:par>
+        <p:cTn id="1" dur="indefinite" restart="never" nodeType="tmRoot">
+          <p:childTnLst>
+            <p:seq concurrent="1" nextAc="seek">
+              <p:cTn id="2" dur="indefinite" nodeType="mainSeq">
+                <p:childTnLst>
+                  <p:par>
+                    <p:cTn id="3" fill="hold">
+                      <p:stCondLst>
+                        <p:cond delay="indefinite"/>
+                        <p:cond evt="onBegin" delay="0">
+                          <p:tn val="2"/>
+                        </p:cond>
+                      </p:stCondLst>
+                      <p:childTnLst>
+                        <p:par>
+                          <p:cTn id="4" fill="hold">
+                            <p:stCondLst>
+                              <p:cond delay="0"/>
+                            </p:stCondLst>
+                            <p:childTnLst>
+                              <p:par>
+                                <p:cTn id="5" presetID="10" presetClass="entr" presetSubtype="0" fill="hold" grpId="0" nodeType="withEffect">
+                                  <p:stCondLst>
+                                    <p:cond delay="0"/>
+                                  </p:stCondLst>
+                                  <p:childTnLst>
+                                    <p:set>
+                                      <p:cBhvr>
+                                        <p:cTn id="6" dur="1" fill="hold">
+                                          <p:stCondLst>
+                                            <p:cond delay="0"/>
+                                          </p:stCondLst>
+                                        </p:cTn>
+                                        <p:tgtEl>
+                                          <p:spTgt spid="3">
+                                            <p:txEl>
+                                              <p:pRg st="0" end="0"/>
+                                            </p:txEl>
+                                          </p:spTgt>
+                                        </p:tgtEl>
+                                        <p:attrNameLst>
+                                          <p:attrName>style.visibility</p:attrName>
+                                        </p:attrNameLst>
+                                      </p:cBhvr>
+                                      <p:to>
+                                        <p:strVal val="visible"/>
+                                      </p:to>
+                                    </p:set>
+                                    <p:animEffect transition="in" filter="fade">
+                                      <p:cBhvr>
+                                        <p:cTn id="7" dur="500"/>
+                                        <p:tgtEl>
+                                          <p:spTgt spid="3">
+                                            <p:txEl>
+                                              <p:pRg st="0" end="0"/>
+                                            </p:txEl>
+                                          </p:spTgt>
+                                        </p:tgtEl>
+                                      </p:cBhvr>
+                                    </p:animEffect>
+                                  </p:childTnLst>
+                                </p:cTn>
+                              </p:par>
+                              <p:par>
+                                <p:cTn id="8" presetID="10" presetClass="entr" presetSubtype="0" fill="hold" grpId="0" nodeType="withEffect">
+                                  <p:stCondLst>
+                                    <p:cond delay="0"/>
+                                  </p:stCondLst>
+                                  <p:childTnLst>
+                                    <p:set>
+                                      <p:cBhvr>
+                                        <p:cTn id="9" dur="1" fill="hold">
+                                          <p:stCondLst>
+                                            <p:cond delay="0"/>
+                                          </p:stCondLst>
+                                        </p:cTn>
+                                        <p:tgtEl>
+                                          <p:spTgt spid="3">
+                                            <p:txEl>
+                                              <p:pRg st="1" end="1"/>
+                                            </p:txEl>
+                                          </p:spTgt>
+                                        </p:tgtEl>
+                                        <p:attrNameLst>
+                                          <p:attrName>style.visibility</p:attrName>
+                                        </p:attrNameLst>
+                                      </p:cBhvr>
+                                      <p:to>
+                                        <p:strVal val="visible"/>
+                                      </p:to>
+                                    </p:set>
+                                    <p:animEffect transition="in" filter="fade">
+                                      <p:cBhvr>
+                                        <p:cTn id="10" dur="500"/>
+                                        <p:tgtEl>
+                                          <p:spTgt spid="3">
+                                            <p:txEl>
+                                              <p:pRg st="1" end="1"/>
+                                            </p:txEl>
+                                          </p:spTgt>
+                                        </p:tgtEl>
+                                      </p:cBhvr>
+                                    </p:animEffect>
+                                  </p:childTnLst>
+                                </p:cTn>
+                              </p:par>
+                            </p:childTnLst>
+                          </p:cTn>
+                        </p:par>
+                      </p:childTnLst>
+                    </p:cTn>
+                  </p:par>
+                  <p:par>
+                    <p:cTn id="11" fill="hold">
+                      <p:stCondLst>
+                        <p:cond delay="indefinite"/>
+                      </p:stCondLst>
+                      <p:childTnLst>
+                        <p:par>
+                          <p:cTn id="12" fill="hold">
+                            <p:stCondLst>
+                              <p:cond delay="0"/>
+                            </p:stCondLst>
+                            <p:childTnLst>
+                              <p:par>
+                                <p:cTn id="13" presetID="10" presetClass="entr" presetSubtype="0" fill="hold" grpId="0" nodeType="clickEffect">
+                                  <p:stCondLst>
+                                    <p:cond delay="0"/>
+                                  </p:stCondLst>
+                                  <p:childTnLst>
+                                    <p:set>
+                                      <p:cBhvr>
+                                        <p:cTn id="14" dur="1" fill="hold">
+                                          <p:stCondLst>
+                                            <p:cond delay="0"/>
+                                          </p:stCondLst>
+                                        </p:cTn>
+                                        <p:tgtEl>
+                                          <p:spTgt spid="3">
+                                            <p:txEl>
+                                              <p:pRg st="2" end="2"/>
+                                            </p:txEl>
+                                          </p:spTgt>
+                                        </p:tgtEl>
+                                        <p:attrNameLst>
+                                          <p:attrName>style.visibility</p:attrName>
+                                        </p:attrNameLst>
+                                      </p:cBhvr>
+                                      <p:to>
+                                        <p:strVal val="visible"/>
+                                      </p:to>
+                                    </p:set>
+                                    <p:animEffect transition="in" filter="fade">
+                                      <p:cBhvr>
+                                        <p:cTn id="15" dur="500"/>
+                                        <p:tgtEl>
+                                          <p:spTgt spid="3">
+                                            <p:txEl>
+                                              <p:pRg st="2" end="2"/>
+                                            </p:txEl>
+                                          </p:spTgt>
+                                        </p:tgtEl>
+                                      </p:cBhvr>
+                                    </p:animEffect>
+                                  </p:childTnLst>
+                                </p:cTn>
+                              </p:par>
+                            </p:childTnLst>
+                          </p:cTn>
+                        </p:par>
+                      </p:childTnLst>
+                    </p:cTn>
+                  </p:par>
+                </p:childTnLst>
+              </p:cTn>
+              <p:prevCondLst>
+                <p:cond evt="onPrev" delay="0">
+                  <p:tgtEl>
+                    <p:sldTgt/>
+                  </p:tgtEl>
+                </p:cond>
+              </p:prevCondLst>
+              <p:nextCondLst>
+                <p:cond evt="onNext" delay="0">
+                  <p:tgtEl>
+                    <p:sldTgt/>
+                  </p:tgtEl>
+                </p:cond>
+              </p:nextCondLst>
+            </p:seq>
+          </p:childTnLst>
+        </p:cTn>
+      </p:par>
+    </p:tnLst>
+    <p:bldLst>
+      <p:bldP spid="3" grpId="0" uiExpand="1" build="p"/>
+    </p:bldLst>
+  </p:timing>
+</p:sld>
+</file>
+
+<file path=ppt/slides/slide35.xml><?xml version="1.0" encoding="utf-8"?>
+<p:sld xmlns:a="http://schemas.openxmlformats.org/drawingml/2006/main" xmlns:r="http://schemas.openxmlformats.org/officeDocument/2006/relationships" xmlns:p="http://schemas.openxmlformats.org/presentationml/2006/main">
+  <p:cSld>
+    <p:bg>
+      <p:bgPr>
+        <a:solidFill>
+          <a:srgbClr val="404040"/>
+        </a:solidFill>
+        <a:effectLst/>
+      </p:bgPr>
+    </p:bg>
+    <p:spTree>
+      <p:nvGrpSpPr>
+        <p:cNvPr id="1" name=""/>
+        <p:cNvGrpSpPr/>
+        <p:nvPr/>
+      </p:nvGrpSpPr>
+      <p:grpSpPr>
+        <a:xfrm>
+          <a:off x="0" y="0"/>
+          <a:ext cx="0" cy="0"/>
+          <a:chOff x="0" y="0"/>
+          <a:chExt cx="0" cy="0"/>
+        </a:xfrm>
+      </p:grpSpPr>
+      <p:sp>
+        <p:nvSpPr>
+          <p:cNvPr id="8" name="Rectangle 7">
+            <a:extLst>
+              <a:ext uri="{FF2B5EF4-FFF2-40B4-BE49-F238E27FC236}">
+                <a16:creationId xmlns:a16="http://schemas.microsoft.com/office/drawing/2014/main" id="{EA67B5B4-3A24-436E-B663-1B2EBFF8A0CD}"/>
+              </a:ext>
+              <a:ext uri="{C183D7F6-B498-43B3-948B-1728B52AA6E4}">
+                <adec:decorative xmlns:adec="http://schemas.microsoft.com/office/drawing/2017/decorative" val="1"/>
+              </a:ext>
+            </a:extLst>
+          </p:cNvPr>
+          <p:cNvSpPr>
+            <a:spLocks noGrp="1" noRot="1" noChangeAspect="1" noMove="1" noResize="1" noEditPoints="1" noAdjustHandles="1" noChangeArrowheads="1" noChangeShapeType="1" noTextEdit="1"/>
+          </p:cNvSpPr>
+          <p:nvPr>
+            <p:extLst>
+              <p:ext uri="{386F3935-93C4-4BCD-93E2-E3B085C9AB24}">
+                <p16:designElem xmlns:p16="http://schemas.microsoft.com/office/powerpoint/2015/main" val="1"/>
+              </p:ext>
+            </p:extLst>
+          </p:nvPr>
+        </p:nvSpPr>
+        <p:spPr>
+          <a:xfrm>
+            <a:off x="0" y="-3324"/>
+            <a:ext cx="12192000" cy="6861324"/>
+          </a:xfrm>
+          <a:prstGeom prst="rect">
+            <a:avLst/>
+          </a:prstGeom>
+          <a:solidFill>
+            <a:srgbClr val="404040"/>
+          </a:solidFill>
+          <a:ln>
+            <a:noFill/>
+          </a:ln>
+        </p:spPr>
+        <p:style>
+          <a:lnRef idx="2">
+            <a:schemeClr val="accent1">
+              <a:shade val="50000"/>
+            </a:schemeClr>
+          </a:lnRef>
+          <a:fillRef idx="1">
+            <a:schemeClr val="accent1"/>
+          </a:fillRef>
+          <a:effectRef idx="0">
+            <a:schemeClr val="accent1"/>
+          </a:effectRef>
+          <a:fontRef idx="minor">
+            <a:schemeClr val="lt1"/>
+          </a:fontRef>
+        </p:style>
+        <p:txBody>
+          <a:bodyPr rtlCol="0" anchor="ctr"/>
+          <a:lstStyle/>
+          <a:p>
+            <a:pPr algn="ctr"/>
+            <a:endParaRPr lang="en-US"/>
+          </a:p>
+        </p:txBody>
+      </p:sp>
+      <p:sp>
+        <p:nvSpPr>
+          <p:cNvPr id="10" name="Freeform 13">
+            <a:extLst>
+              <a:ext uri="{FF2B5EF4-FFF2-40B4-BE49-F238E27FC236}">
+                <a16:creationId xmlns:a16="http://schemas.microsoft.com/office/drawing/2014/main" id="{987FDF89-C993-41F4-A1B8-DBAFF16008A9}"/>
+              </a:ext>
+              <a:ext uri="{C183D7F6-B498-43B3-948B-1728B52AA6E4}">
+                <adec:decorative xmlns:adec="http://schemas.microsoft.com/office/drawing/2017/decorative" val="1"/>
+              </a:ext>
+            </a:extLst>
+          </p:cNvPr>
+          <p:cNvSpPr>
+            <a:spLocks noGrp="1" noRot="1" noChangeAspect="1" noMove="1" noResize="1" noEditPoints="1" noAdjustHandles="1" noChangeArrowheads="1" noChangeShapeType="1" noTextEdit="1"/>
+          </p:cNvSpPr>
+          <p:nvPr>
+            <p:extLst>
+              <p:ext uri="{386F3935-93C4-4BCD-93E2-E3B085C9AB24}">
+                <p16:designElem xmlns:p16="http://schemas.microsoft.com/office/powerpoint/2015/main" val="1"/>
+              </p:ext>
+            </p:extLst>
+          </p:nvPr>
+        </p:nvSpPr>
+        <p:spPr>
+          <a:xfrm>
+            <a:off x="0" y="0"/>
+            <a:ext cx="11786754" cy="6858000"/>
+          </a:xfrm>
+          <a:custGeom>
+            <a:avLst/>
+            <a:gdLst>
+              <a:gd name="connsiteX0" fmla="*/ 0 w 11786754"/>
+              <a:gd name="connsiteY0" fmla="*/ 0 h 6858000"/>
+              <a:gd name="connsiteX1" fmla="*/ 8610600 w 11786754"/>
+              <a:gd name="connsiteY1" fmla="*/ 0 h 6858000"/>
+              <a:gd name="connsiteX2" fmla="*/ 11786754 w 11786754"/>
+              <a:gd name="connsiteY2" fmla="*/ 6858000 h 6858000"/>
+              <a:gd name="connsiteX3" fmla="*/ 0 w 11786754"/>
+              <a:gd name="connsiteY3" fmla="*/ 6858000 h 6858000"/>
+            </a:gdLst>
+            <a:ahLst/>
+            <a:cxnLst>
+              <a:cxn ang="0">
+                <a:pos x="connsiteX0" y="connsiteY0"/>
+              </a:cxn>
+              <a:cxn ang="0">
+                <a:pos x="connsiteX1" y="connsiteY1"/>
+              </a:cxn>
+              <a:cxn ang="0">
+                <a:pos x="connsiteX2" y="connsiteY2"/>
+              </a:cxn>
+              <a:cxn ang="0">
+                <a:pos x="connsiteX3" y="connsiteY3"/>
+              </a:cxn>
+            </a:cxnLst>
+            <a:rect l="l" t="t" r="r" b="b"/>
+            <a:pathLst>
+              <a:path w="11786754" h="6858000">
+                <a:moveTo>
+                  <a:pt x="0" y="0"/>
+                </a:moveTo>
+                <a:lnTo>
+                  <a:pt x="8610600" y="0"/>
+                </a:lnTo>
+                <a:lnTo>
+                  <a:pt x="11786754" y="6858000"/>
+                </a:lnTo>
+                <a:lnTo>
+                  <a:pt x="0" y="6858000"/>
+                </a:lnTo>
+                <a:close/>
+              </a:path>
+            </a:pathLst>
+          </a:custGeom>
+          <a:solidFill>
+            <a:srgbClr val="000000">
+              <a:alpha val="29804"/>
+            </a:srgbClr>
+          </a:solidFill>
+          <a:ln>
+            <a:noFill/>
+          </a:ln>
+        </p:spPr>
+        <p:style>
+          <a:lnRef idx="2">
+            <a:schemeClr val="accent1">
+              <a:shade val="50000"/>
+            </a:schemeClr>
+          </a:lnRef>
+          <a:fillRef idx="1">
+            <a:schemeClr val="accent1"/>
+          </a:fillRef>
+          <a:effectRef idx="0">
+            <a:schemeClr val="accent1"/>
+          </a:effectRef>
+          <a:fontRef idx="minor">
+            <a:schemeClr val="lt1"/>
+          </a:fontRef>
+        </p:style>
+        <p:txBody>
+          <a:bodyPr rtlCol="0" anchor="ctr"/>
+          <a:lstStyle/>
+          <a:p>
+            <a:pPr algn="ctr"/>
+            <a:endParaRPr lang="en-US"/>
+          </a:p>
+        </p:txBody>
+      </p:sp>
+      <p:sp>
+        <p:nvSpPr>
+          <p:cNvPr id="12" name="Freeform: Shape 11">
+            <a:extLst>
+              <a:ext uri="{FF2B5EF4-FFF2-40B4-BE49-F238E27FC236}">
+                <a16:creationId xmlns:a16="http://schemas.microsoft.com/office/drawing/2014/main" id="{D1D7179B-FF7C-482F-B3D9-2BE9ED1139F9}"/>
+              </a:ext>
+              <a:ext uri="{C183D7F6-B498-43B3-948B-1728B52AA6E4}">
+                <adec:decorative xmlns:adec="http://schemas.microsoft.com/office/drawing/2017/decorative" val="1"/>
+              </a:ext>
+            </a:extLst>
+          </p:cNvPr>
+          <p:cNvSpPr>
+            <a:spLocks noGrp="1" noRot="1" noChangeAspect="1" noMove="1" noResize="1" noEditPoints="1" noAdjustHandles="1" noChangeArrowheads="1" noChangeShapeType="1" noTextEdit="1"/>
+          </p:cNvSpPr>
+          <p:nvPr>
+            <p:extLst>
+              <p:ext uri="{386F3935-93C4-4BCD-93E2-E3B085C9AB24}">
+                <p16:designElem xmlns:p16="http://schemas.microsoft.com/office/powerpoint/2015/main" val="1"/>
+              </p:ext>
+            </p:extLst>
+          </p:nvPr>
+        </p:nvSpPr>
+        <p:spPr>
+          <a:xfrm>
+            <a:off x="0" y="0"/>
+            <a:ext cx="6210300" cy="6858000"/>
+          </a:xfrm>
+          <a:custGeom>
+            <a:avLst/>
+            <a:gdLst>
+              <a:gd name="connsiteX0" fmla="*/ 0 w 6210300"/>
+              <a:gd name="connsiteY0" fmla="*/ 0 h 6858000"/>
+              <a:gd name="connsiteX1" fmla="*/ 2628900 w 6210300"/>
+              <a:gd name="connsiteY1" fmla="*/ 0 h 6858000"/>
+              <a:gd name="connsiteX2" fmla="*/ 3034146 w 6210300"/>
+              <a:gd name="connsiteY2" fmla="*/ 0 h 6858000"/>
+              <a:gd name="connsiteX3" fmla="*/ 6210300 w 6210300"/>
+              <a:gd name="connsiteY3" fmla="*/ 6858000 h 6858000"/>
+              <a:gd name="connsiteX4" fmla="*/ 2628900 w 6210300"/>
+              <a:gd name="connsiteY4" fmla="*/ 6858000 h 6858000"/>
+              <a:gd name="connsiteX5" fmla="*/ 0 w 6210300"/>
+              <a:gd name="connsiteY5" fmla="*/ 6858000 h 6858000"/>
+            </a:gdLst>
+            <a:ahLst/>
+            <a:cxnLst>
+              <a:cxn ang="0">
+                <a:pos x="connsiteX0" y="connsiteY0"/>
+              </a:cxn>
+              <a:cxn ang="0">
+                <a:pos x="connsiteX1" y="connsiteY1"/>
+              </a:cxn>
+              <a:cxn ang="0">
+                <a:pos x="connsiteX2" y="connsiteY2"/>
+              </a:cxn>
+              <a:cxn ang="0">
+                <a:pos x="connsiteX3" y="connsiteY3"/>
+              </a:cxn>
+              <a:cxn ang="0">
+                <a:pos x="connsiteX4" y="connsiteY4"/>
+              </a:cxn>
+              <a:cxn ang="0">
+                <a:pos x="connsiteX5" y="connsiteY5"/>
+              </a:cxn>
+            </a:cxnLst>
+            <a:rect l="l" t="t" r="r" b="b"/>
+            <a:pathLst>
+              <a:path w="6210300" h="6858000">
+                <a:moveTo>
+                  <a:pt x="0" y="0"/>
+                </a:moveTo>
+                <a:lnTo>
+                  <a:pt x="2628900" y="0"/>
+                </a:lnTo>
+                <a:lnTo>
+                  <a:pt x="3034146" y="0"/>
+                </a:lnTo>
+                <a:lnTo>
+                  <a:pt x="6210300" y="6858000"/>
+                </a:lnTo>
+                <a:lnTo>
+                  <a:pt x="2628900" y="6858000"/>
+                </a:lnTo>
+                <a:lnTo>
+                  <a:pt x="0" y="6858000"/>
+                </a:lnTo>
+                <a:close/>
+              </a:path>
+            </a:pathLst>
+          </a:custGeom>
+          <a:solidFill>
+            <a:srgbClr val="000000">
+              <a:alpha val="29804"/>
+            </a:srgbClr>
+          </a:solidFill>
+          <a:ln>
+            <a:noFill/>
+          </a:ln>
+        </p:spPr>
+        <p:style>
+          <a:lnRef idx="2">
+            <a:schemeClr val="accent1">
+              <a:shade val="50000"/>
+            </a:schemeClr>
+          </a:lnRef>
+          <a:fillRef idx="1">
+            <a:schemeClr val="accent1"/>
+          </a:fillRef>
+          <a:effectRef idx="0">
+            <a:schemeClr val="accent1"/>
+          </a:effectRef>
+          <a:fontRef idx="minor">
+            <a:schemeClr val="lt1"/>
+          </a:fontRef>
+        </p:style>
+        <p:txBody>
+          <a:bodyPr wrap="square" rtlCol="0" anchor="ctr">
+            <a:noAutofit/>
+          </a:bodyPr>
+          <a:lstStyle/>
+          <a:p>
+            <a:pPr algn="ctr"/>
+            <a:endParaRPr lang="en-US"/>
+          </a:p>
+        </p:txBody>
+      </p:sp>
+      <p:sp>
+        <p:nvSpPr>
+          <p:cNvPr id="2" name="Titel 1">
+            <a:extLst>
+              <a:ext uri="{FF2B5EF4-FFF2-40B4-BE49-F238E27FC236}">
+                <a16:creationId xmlns:a16="http://schemas.microsoft.com/office/drawing/2014/main" id="{D8B548E9-0A58-4B39-995E-230B8125F464}"/>
+              </a:ext>
+            </a:extLst>
+          </p:cNvPr>
+          <p:cNvSpPr>
+            <a:spLocks noGrp="1"/>
+          </p:cNvSpPr>
+          <p:nvPr>
+            <p:ph type="title"/>
+          </p:nvPr>
+        </p:nvSpPr>
+        <p:spPr>
+          <a:xfrm>
+            <a:off x="833002" y="365125"/>
+            <a:ext cx="3973667" cy="5811837"/>
+          </a:xfrm>
+        </p:spPr>
+        <p:txBody>
+          <a:bodyPr>
+            <a:normAutofit/>
+          </a:bodyPr>
+          <a:lstStyle/>
+          <a:p>
+            <a:r>
+              <a:rPr lang="nl-BE" dirty="0">
+                <a:solidFill>
+                  <a:srgbClr val="FFFFFF"/>
+                </a:solidFill>
+              </a:rPr>
+              <a:t>Labo</a:t>
+            </a:r>
+          </a:p>
+        </p:txBody>
+      </p:sp>
+      <p:sp>
+        <p:nvSpPr>
+          <p:cNvPr id="3" name="Tijdelijke aanduiding voor inhoud 2">
+            <a:extLst>
+              <a:ext uri="{FF2B5EF4-FFF2-40B4-BE49-F238E27FC236}">
+                <a16:creationId xmlns:a16="http://schemas.microsoft.com/office/drawing/2014/main" id="{6A98C878-60A0-443F-ACDB-AA549A6E9327}"/>
+              </a:ext>
+            </a:extLst>
+          </p:cNvPr>
+          <p:cNvSpPr>
+            <a:spLocks noGrp="1"/>
+          </p:cNvSpPr>
+          <p:nvPr>
+            <p:ph idx="1"/>
+          </p:nvPr>
+        </p:nvSpPr>
+        <p:spPr>
+          <a:xfrm>
             <a:off x="2780522" y="83977"/>
             <a:ext cx="9209315" cy="6596742"/>
           </a:xfrm>
@@ -33869,7 +34553,7 @@
     </p:spTree>
     <p:extLst>
       <p:ext uri="{BB962C8B-B14F-4D97-AF65-F5344CB8AC3E}">
-        <p14:creationId xmlns:p14="http://schemas.microsoft.com/office/powerpoint/2010/main" val="510839031"/>
+        <p14:creationId xmlns:p14="http://schemas.microsoft.com/office/powerpoint/2010/main" val="4047118945"/>
       </p:ext>
     </p:extLst>
   </p:cSld>
